--- a/ibrahim capstone-status.pptx
+++ b/ibrahim capstone-status.pptx
@@ -275,7 +275,7 @@
           <a:p>
             <a:fld id="{62F1F96E-62AD-3B49-A6E9-AE320B755994}" type="datetimeFigureOut">
               <a:rPr lang="en-US" smtClean="0"/>
-              <a:t>3/23/2025</a:t>
+              <a:t>4/30/2025</a:t>
             </a:fld>
             <a:endParaRPr lang="en-US"/>
           </a:p>
@@ -473,7 +473,7 @@
           <a:p>
             <a:fld id="{62F1F96E-62AD-3B49-A6E9-AE320B755994}" type="datetimeFigureOut">
               <a:rPr lang="en-US" smtClean="0"/>
-              <a:t>3/23/2025</a:t>
+              <a:t>4/30/2025</a:t>
             </a:fld>
             <a:endParaRPr lang="en-US"/>
           </a:p>
@@ -681,7 +681,7 @@
           <a:p>
             <a:fld id="{62F1F96E-62AD-3B49-A6E9-AE320B755994}" type="datetimeFigureOut">
               <a:rPr lang="en-US" smtClean="0"/>
-              <a:t>3/23/2025</a:t>
+              <a:t>4/30/2025</a:t>
             </a:fld>
             <a:endParaRPr lang="en-US"/>
           </a:p>
@@ -879,7 +879,7 @@
           <a:p>
             <a:fld id="{62F1F96E-62AD-3B49-A6E9-AE320B755994}" type="datetimeFigureOut">
               <a:rPr lang="en-US" smtClean="0"/>
-              <a:t>3/23/2025</a:t>
+              <a:t>4/30/2025</a:t>
             </a:fld>
             <a:endParaRPr lang="en-US"/>
           </a:p>
@@ -1154,7 +1154,7 @@
           <a:p>
             <a:fld id="{62F1F96E-62AD-3B49-A6E9-AE320B755994}" type="datetimeFigureOut">
               <a:rPr lang="en-US" smtClean="0"/>
-              <a:t>3/23/2025</a:t>
+              <a:t>4/30/2025</a:t>
             </a:fld>
             <a:endParaRPr lang="en-US"/>
           </a:p>
@@ -1419,7 +1419,7 @@
           <a:p>
             <a:fld id="{62F1F96E-62AD-3B49-A6E9-AE320B755994}" type="datetimeFigureOut">
               <a:rPr lang="en-US" smtClean="0"/>
-              <a:t>3/23/2025</a:t>
+              <a:t>4/30/2025</a:t>
             </a:fld>
             <a:endParaRPr lang="en-US"/>
           </a:p>
@@ -1831,7 +1831,7 @@
           <a:p>
             <a:fld id="{62F1F96E-62AD-3B49-A6E9-AE320B755994}" type="datetimeFigureOut">
               <a:rPr lang="en-US" smtClean="0"/>
-              <a:t>3/23/2025</a:t>
+              <a:t>4/30/2025</a:t>
             </a:fld>
             <a:endParaRPr lang="en-US"/>
           </a:p>
@@ -1972,7 +1972,7 @@
           <a:p>
             <a:fld id="{62F1F96E-62AD-3B49-A6E9-AE320B755994}" type="datetimeFigureOut">
               <a:rPr lang="en-US" smtClean="0"/>
-              <a:t>3/23/2025</a:t>
+              <a:t>4/30/2025</a:t>
             </a:fld>
             <a:endParaRPr lang="en-US"/>
           </a:p>
@@ -2085,7 +2085,7 @@
           <a:p>
             <a:fld id="{62F1F96E-62AD-3B49-A6E9-AE320B755994}" type="datetimeFigureOut">
               <a:rPr lang="en-US" smtClean="0"/>
-              <a:t>3/23/2025</a:t>
+              <a:t>4/30/2025</a:t>
             </a:fld>
             <a:endParaRPr lang="en-US"/>
           </a:p>
@@ -2396,7 +2396,7 @@
           <a:p>
             <a:fld id="{62F1F96E-62AD-3B49-A6E9-AE320B755994}" type="datetimeFigureOut">
               <a:rPr lang="en-US" smtClean="0"/>
-              <a:t>3/23/2025</a:t>
+              <a:t>4/30/2025</a:t>
             </a:fld>
             <a:endParaRPr lang="en-US"/>
           </a:p>
@@ -2684,7 +2684,7 @@
           <a:p>
             <a:fld id="{62F1F96E-62AD-3B49-A6E9-AE320B755994}" type="datetimeFigureOut">
               <a:rPr lang="en-US" smtClean="0"/>
-              <a:t>3/23/2025</a:t>
+              <a:t>4/30/2025</a:t>
             </a:fld>
             <a:endParaRPr lang="en-US"/>
           </a:p>
@@ -2925,7 +2925,7 @@
           <a:p>
             <a:fld id="{62F1F96E-62AD-3B49-A6E9-AE320B755994}" type="datetimeFigureOut">
               <a:rPr lang="en-US" smtClean="0"/>
-              <a:t>3/23/2025</a:t>
+              <a:t>4/30/2025</a:t>
             </a:fld>
             <a:endParaRPr lang="en-US"/>
           </a:p>
@@ -3395,7 +3395,9 @@
         </p:nvSpPr>
         <p:spPr/>
         <p:txBody>
-          <a:bodyPr/>
+          <a:bodyPr>
+            <a:normAutofit/>
+          </a:bodyPr>
           <a:lstStyle/>
           <a:p>
             <a:r>
@@ -3409,15 +3411,21 @@
             <a:endParaRPr lang="en-US" dirty="0" smtClean="0"/>
           </a:p>
           <a:p>
+            <a:endParaRPr lang="en-US" b="1" dirty="0" smtClean="0"/>
+          </a:p>
+          <a:p>
             <a:r>
               <a:rPr lang="en-US" b="1" dirty="0" err="1" smtClean="0"/>
               <a:t>Github</a:t>
             </a:r>
             <a:r>
               <a:rPr lang="en-US" dirty="0"/>
-              <a:t>: https://github.com/ibrahimmohammedhamed/Capstone-Project.git</a:t>
-            </a:r>
-            <a:endParaRPr lang="en-US" dirty="0"/>
+              <a:t>: </a:t>
+            </a:r>
+            <a:r>
+              <a:rPr lang="en-US" sz="1400" dirty="0"/>
+              <a:t>https://github.com/ibrahimmohammedhamed/Capstone-Project.git</a:t>
+            </a:r>
           </a:p>
         </p:txBody>
       </p:sp>
@@ -3431,6 +3439,13 @@
   <p:clrMapOvr>
     <a:masterClrMapping/>
   </p:clrMapOvr>
+  <p:timing>
+    <p:tnLst>
+      <p:par>
+        <p:cTn id="1" dur="indefinite" restart="never" nodeType="tmRoot"/>
+      </p:par>
+    </p:tnLst>
+  </p:timing>
 </p:sld>
 </file>
 
@@ -3525,6 +3540,13 @@
   <p:clrMapOvr>
     <a:masterClrMapping/>
   </p:clrMapOvr>
+  <p:timing>
+    <p:tnLst>
+      <p:par>
+        <p:cTn id="1" dur="indefinite" restart="never" nodeType="tmRoot"/>
+      </p:par>
+    </p:tnLst>
+  </p:timing>
 </p:sld>
 </file>
 
@@ -3760,6 +3782,13 @@
   <p:clrMapOvr>
     <a:masterClrMapping/>
   </p:clrMapOvr>
+  <p:timing>
+    <p:tnLst>
+      <p:par>
+        <p:cTn id="1" dur="indefinite" restart="never" nodeType="tmRoot"/>
+      </p:par>
+    </p:tnLst>
+  </p:timing>
 </p:sld>
 </file>
 
@@ -3999,6 +4028,13 @@
   <p:clrMapOvr>
     <a:masterClrMapping/>
   </p:clrMapOvr>
+  <p:timing>
+    <p:tnLst>
+      <p:par>
+        <p:cTn id="1" dur="indefinite" restart="never" nodeType="tmRoot"/>
+      </p:par>
+    </p:tnLst>
+  </p:timing>
 </p:sld>
 </file>
 
@@ -4137,7 +4173,6 @@
               <a:rPr lang="en-US" sz="2400" dirty="0"/>
               <a:t> were not explored</a:t>
             </a:r>
-            <a:endParaRPr lang="en-US" sz="2400" dirty="0"/>
           </a:p>
         </p:txBody>
       </p:sp>
@@ -4151,6 +4186,13 @@
   <p:clrMapOvr>
     <a:masterClrMapping/>
   </p:clrMapOvr>
+  <p:timing>
+    <p:tnLst>
+      <p:par>
+        <p:cTn id="1" dur="indefinite" restart="never" nodeType="tmRoot"/>
+      </p:par>
+    </p:tnLst>
+  </p:timing>
 </p:sld>
 </file>
 
@@ -4361,6 +4403,13 @@
   <p:clrMapOvr>
     <a:masterClrMapping/>
   </p:clrMapOvr>
+  <p:timing>
+    <p:tnLst>
+      <p:par>
+        <p:cTn id="1" dur="indefinite" restart="never" nodeType="tmRoot"/>
+      </p:par>
+    </p:tnLst>
+  </p:timing>
 </p:sld>
 </file>
 
@@ -4540,6 +4589,13 @@
   <p:clrMapOvr>
     <a:masterClrMapping/>
   </p:clrMapOvr>
+  <p:timing>
+    <p:tnLst>
+      <p:par>
+        <p:cTn id="1" dur="indefinite" restart="never" nodeType="tmRoot"/>
+      </p:par>
+    </p:tnLst>
+  </p:timing>
 </p:sld>
 </file>
 
@@ -4755,6 +4811,13 @@
   <p:clrMapOvr>
     <a:masterClrMapping/>
   </p:clrMapOvr>
+  <p:timing>
+    <p:tnLst>
+      <p:par>
+        <p:cTn id="1" dur="indefinite" restart="never" nodeType="tmRoot"/>
+      </p:par>
+    </p:tnLst>
+  </p:timing>
 </p:sld>
 </file>
 
@@ -4930,6 +4993,13 @@
   <p:clrMapOvr>
     <a:masterClrMapping/>
   </p:clrMapOvr>
+  <p:timing>
+    <p:tnLst>
+      <p:par>
+        <p:cTn id="1" dur="indefinite" restart="never" nodeType="tmRoot"/>
+      </p:par>
+    </p:tnLst>
+  </p:timing>
 </p:sld>
 </file>
 
@@ -5026,6 +5096,13 @@
   <p:clrMapOvr>
     <a:masterClrMapping/>
   </p:clrMapOvr>
+  <p:timing>
+    <p:tnLst>
+      <p:par>
+        <p:cTn id="1" dur="indefinite" restart="never" nodeType="tmRoot"/>
+      </p:par>
+    </p:tnLst>
+  </p:timing>
 </p:sld>
 </file>
 
@@ -5130,6 +5207,13 @@
   <p:clrMapOvr>
     <a:masterClrMapping/>
   </p:clrMapOvr>
+  <p:timing>
+    <p:tnLst>
+      <p:par>
+        <p:cTn id="1" dur="indefinite" restart="never" nodeType="tmRoot"/>
+      </p:par>
+    </p:tnLst>
+  </p:timing>
 </p:sld>
 </file>
 
@@ -5372,6 +5456,13 @@
   <p:clrMapOvr>
     <a:masterClrMapping/>
   </p:clrMapOvr>
+  <p:timing>
+    <p:tnLst>
+      <p:par>
+        <p:cTn id="1" dur="indefinite" restart="never" nodeType="tmRoot"/>
+      </p:par>
+    </p:tnLst>
+  </p:timing>
 </p:sld>
 </file>
 
@@ -5556,6 +5647,13 @@
   <p:clrMapOvr>
     <a:masterClrMapping/>
   </p:clrMapOvr>
+  <p:timing>
+    <p:tnLst>
+      <p:par>
+        <p:cTn id="1" dur="indefinite" restart="never" nodeType="tmRoot"/>
+      </p:par>
+    </p:tnLst>
+  </p:timing>
 </p:sld>
 </file>
 
@@ -5780,6 +5878,13 @@
   <p:clrMapOvr>
     <a:masterClrMapping/>
   </p:clrMapOvr>
+  <p:timing>
+    <p:tnLst>
+      <p:par>
+        <p:cTn id="1" dur="indefinite" restart="never" nodeType="tmRoot"/>
+      </p:par>
+    </p:tnLst>
+  </p:timing>
 </p:sld>
 </file>
 
@@ -5845,6 +5950,13 @@
   <p:clrMapOvr>
     <a:masterClrMapping/>
   </p:clrMapOvr>
+  <p:timing>
+    <p:tnLst>
+      <p:par>
+        <p:cTn id="1" dur="indefinite" restart="never" nodeType="tmRoot"/>
+      </p:par>
+    </p:tnLst>
+  </p:timing>
 </p:sld>
 </file>
 
@@ -5939,6 +6051,13 @@
   <p:clrMapOvr>
     <a:masterClrMapping/>
   </p:clrMapOvr>
+  <p:timing>
+    <p:tnLst>
+      <p:par>
+        <p:cTn id="1" dur="indefinite" restart="never" nodeType="tmRoot"/>
+      </p:par>
+    </p:tnLst>
+  </p:timing>
 </p:sld>
 </file>
 
@@ -6033,6 +6152,13 @@
   <p:clrMapOvr>
     <a:masterClrMapping/>
   </p:clrMapOvr>
+  <p:timing>
+    <p:tnLst>
+      <p:par>
+        <p:cTn id="1" dur="indefinite" restart="never" nodeType="tmRoot"/>
+      </p:par>
+    </p:tnLst>
+  </p:timing>
 </p:sld>
 </file>
 
